--- a/Task 1/#4 presentation.pptx
+++ b/Task 1/#4 presentation.pptx
@@ -7,19 +7,18 @@
   <p:sldIdLst>
     <p:sldId id="256" r:id="rId2"/>
     <p:sldId id="257" r:id="rId3"/>
-    <p:sldId id="258" r:id="rId4"/>
+    <p:sldId id="260" r:id="rId4"/>
     <p:sldId id="259" r:id="rId5"/>
-    <p:sldId id="260" r:id="rId6"/>
-    <p:sldId id="261" r:id="rId7"/>
+    <p:sldId id="261" r:id="rId6"/>
+    <p:sldId id="271" r:id="rId7"/>
     <p:sldId id="262" r:id="rId8"/>
     <p:sldId id="263" r:id="rId9"/>
     <p:sldId id="264" r:id="rId10"/>
     <p:sldId id="265" r:id="rId11"/>
     <p:sldId id="266" r:id="rId12"/>
     <p:sldId id="267" r:id="rId13"/>
-    <p:sldId id="268" r:id="rId14"/>
-    <p:sldId id="269" r:id="rId15"/>
-    <p:sldId id="270" r:id="rId16"/>
+    <p:sldId id="269" r:id="rId14"/>
+    <p:sldId id="270" r:id="rId15"/>
   </p:sldIdLst>
   <p:sldSz cx="12192000" cy="6858000"/>
   <p:notesSz cx="6858000" cy="9144000"/>
@@ -118,6 +117,11 @@
       </a:defRPr>
     </a:lvl9pPr>
   </p:defaultTextStyle>
+  <p:extLst>
+    <p:ext uri="{EFAFB233-063F-42B5-8137-9DF3F51BA10A}">
+      <p15:sldGuideLst xmlns:p15="http://schemas.microsoft.com/office/powerpoint/2012/main"/>
+    </p:ext>
+  </p:extLst>
 </p:presentation>
 </file>
 
@@ -524,7 +528,7 @@
           <a:p>
             <a:fld id="{B2DB18C6-B8A5-45D5-AC97-1FF08DA7F162}" type="datetimeFigureOut">
               <a:rPr lang="en-US" smtClean="0"/>
-              <a:t>5/26/2024</a:t>
+              <a:t>5/29/2024</a:t>
             </a:fld>
             <a:endParaRPr lang="en-US"/>
           </a:p>
@@ -703,7 +707,7 @@
           <a:p>
             <a:fld id="{B2DB18C6-B8A5-45D5-AC97-1FF08DA7F162}" type="datetimeFigureOut">
               <a:rPr lang="en-US" smtClean="0"/>
-              <a:t>5/26/2024</a:t>
+              <a:t>5/29/2024</a:t>
             </a:fld>
             <a:endParaRPr lang="en-US"/>
           </a:p>
@@ -883,7 +887,7 @@
           <a:p>
             <a:fld id="{B2DB18C6-B8A5-45D5-AC97-1FF08DA7F162}" type="datetimeFigureOut">
               <a:rPr lang="en-US" smtClean="0"/>
-              <a:t>5/26/2024</a:t>
+              <a:t>5/29/2024</a:t>
             </a:fld>
             <a:endParaRPr lang="en-US"/>
           </a:p>
@@ -1053,7 +1057,7 @@
           <a:p>
             <a:fld id="{B2DB18C6-B8A5-45D5-AC97-1FF08DA7F162}" type="datetimeFigureOut">
               <a:rPr lang="en-US" smtClean="0"/>
-              <a:t>5/26/2024</a:t>
+              <a:t>5/29/2024</a:t>
             </a:fld>
             <a:endParaRPr lang="en-US"/>
           </a:p>
@@ -1366,7 +1370,7 @@
           <a:p>
             <a:fld id="{B2DB18C6-B8A5-45D5-AC97-1FF08DA7F162}" type="datetimeFigureOut">
               <a:rPr lang="en-US" smtClean="0"/>
-              <a:t>5/26/2024</a:t>
+              <a:t>5/29/2024</a:t>
             </a:fld>
             <a:endParaRPr lang="en-US"/>
           </a:p>
@@ -1752,7 +1756,7 @@
           <a:p>
             <a:fld id="{B2DB18C6-B8A5-45D5-AC97-1FF08DA7F162}" type="datetimeFigureOut">
               <a:rPr lang="en-US" smtClean="0"/>
-              <a:t>5/26/2024</a:t>
+              <a:t>5/29/2024</a:t>
             </a:fld>
             <a:endParaRPr lang="en-US"/>
           </a:p>
@@ -2186,7 +2190,7 @@
           <a:p>
             <a:fld id="{B2DB18C6-B8A5-45D5-AC97-1FF08DA7F162}" type="datetimeFigureOut">
               <a:rPr lang="en-US" smtClean="0"/>
-              <a:t>5/26/2024</a:t>
+              <a:t>5/29/2024</a:t>
             </a:fld>
             <a:endParaRPr lang="en-US"/>
           </a:p>
@@ -2304,7 +2308,7 @@
           <a:p>
             <a:fld id="{B2DB18C6-B8A5-45D5-AC97-1FF08DA7F162}" type="datetimeFigureOut">
               <a:rPr lang="en-US" smtClean="0"/>
-              <a:t>5/26/2024</a:t>
+              <a:t>5/29/2024</a:t>
             </a:fld>
             <a:endParaRPr lang="en-US"/>
           </a:p>
@@ -2399,7 +2403,7 @@
           <a:p>
             <a:fld id="{B2DB18C6-B8A5-45D5-AC97-1FF08DA7F162}" type="datetimeFigureOut">
               <a:rPr lang="en-US" smtClean="0"/>
-              <a:t>5/26/2024</a:t>
+              <a:t>5/29/2024</a:t>
             </a:fld>
             <a:endParaRPr lang="en-US"/>
           </a:p>
@@ -2749,7 +2753,7 @@
           <a:p>
             <a:fld id="{B2DB18C6-B8A5-45D5-AC97-1FF08DA7F162}" type="datetimeFigureOut">
               <a:rPr lang="en-US" smtClean="0"/>
-              <a:t>5/26/2024</a:t>
+              <a:t>5/29/2024</a:t>
             </a:fld>
             <a:endParaRPr lang="en-US"/>
           </a:p>
@@ -3174,7 +3178,7 @@
           <a:p>
             <a:fld id="{B2DB18C6-B8A5-45D5-AC97-1FF08DA7F162}" type="datetimeFigureOut">
               <a:rPr lang="en-US" smtClean="0"/>
-              <a:t>5/26/2024</a:t>
+              <a:t>5/29/2024</a:t>
             </a:fld>
             <a:endParaRPr lang="en-US"/>
           </a:p>
@@ -3455,7 +3459,7 @@
           <a:p>
             <a:fld id="{B2DB18C6-B8A5-45D5-AC97-1FF08DA7F162}" type="datetimeFigureOut">
               <a:rPr lang="en-US" smtClean="0"/>
-              <a:t>5/26/2024</a:t>
+              <a:t>5/29/2024</a:t>
             </a:fld>
             <a:endParaRPr lang="en-US"/>
           </a:p>
@@ -4208,6 +4212,43 @@
               <a:t>Benefits: Flexibility, efficiency in generating high-affinity ligands.</a:t>
             </a:r>
           </a:p>
+          <a:p>
+            <a:r>
+              <a:rPr lang="en-US" dirty="0"/>
+              <a:t>Setup: Generate 100 molecules per target, evaluated on binding affinity, QED, SA</a:t>
+            </a:r>
+          </a:p>
+          <a:p>
+            <a:r>
+              <a:rPr lang="en-US" dirty="0"/>
+              <a:t>Tools: </a:t>
+            </a:r>
+            <a:r>
+              <a:rPr lang="en-US" dirty="0" err="1"/>
+              <a:t>AutoDock</a:t>
+            </a:r>
+            <a:r>
+              <a:rPr lang="en-US" dirty="0"/>
+              <a:t> Vina for docking scores, </a:t>
+            </a:r>
+            <a:r>
+              <a:rPr lang="en-US" dirty="0" err="1"/>
+              <a:t>RDKit</a:t>
+            </a:r>
+            <a:r>
+              <a:rPr lang="en-US" dirty="0"/>
+              <a:t> for QED and SA</a:t>
+            </a:r>
+          </a:p>
+          <a:p>
+            <a:r>
+              <a:rPr lang="en-US" dirty="0"/>
+              <a:t>Results: High binding affinity, diverse binding poses</a:t>
+            </a:r>
+          </a:p>
+          <a:p>
+            <a:endParaRPr lang="en-US" dirty="0"/>
+          </a:p>
         </p:txBody>
       </p:sp>
     </p:spTree>
@@ -4263,67 +4304,71 @@
           <a:p>
             <a:r>
               <a:rPr lang="en-US" dirty="0"/>
-              <a:t>Experimental Setup and Results (Ligand Generation)</a:t>
-            </a:r>
-          </a:p>
-        </p:txBody>
-      </p:sp>
-      <p:sp>
-        <p:nvSpPr>
-          <p:cNvPr id="3" name="Content Placeholder 2">
+              <a:t>Experimental: Ligand Generation</a:t>
+            </a:r>
+          </a:p>
+        </p:txBody>
+      </p:sp>
+      <p:pic>
+        <p:nvPicPr>
+          <p:cNvPr id="5" name="Picture 4">
             <a:extLst>
               <a:ext uri="{FF2B5EF4-FFF2-40B4-BE49-F238E27FC236}">
-                <a16:creationId xmlns:a16="http://schemas.microsoft.com/office/drawing/2014/main" id="{250BEE99-0914-DEDD-7697-47DC3461BD19}"/>
+                <a16:creationId xmlns:a16="http://schemas.microsoft.com/office/drawing/2014/main" id="{84638151-A6A7-B9D6-5DAC-436CD3FC97E6}"/>
               </a:ext>
             </a:extLst>
           </p:cNvPr>
-          <p:cNvSpPr>
-            <a:spLocks noGrp="1"/>
-          </p:cNvSpPr>
-          <p:nvPr>
-            <p:ph idx="1"/>
-          </p:nvPr>
-        </p:nvSpPr>
-        <p:spPr/>
-        <p:txBody>
-          <a:bodyPr/>
-          <a:lstStyle/>
-          <a:p>
-            <a:r>
-              <a:rPr lang="en-US" dirty="0"/>
-              <a:t>Setup: Generate 100 molecules per target, evaluated on binding affinity, QED, SA.</a:t>
-            </a:r>
-          </a:p>
-          <a:p>
-            <a:r>
-              <a:rPr lang="en-US" dirty="0"/>
-              <a:t>Tools: </a:t>
-            </a:r>
-            <a:r>
-              <a:rPr lang="en-US" dirty="0" err="1"/>
-              <a:t>AutoDock</a:t>
-            </a:r>
-            <a:r>
-              <a:rPr lang="en-US" dirty="0"/>
-              <a:t> Vina for docking scores, </a:t>
-            </a:r>
-            <a:r>
-              <a:rPr lang="en-US" dirty="0" err="1"/>
-              <a:t>RDKit</a:t>
-            </a:r>
-            <a:r>
-              <a:rPr lang="en-US" dirty="0"/>
-              <a:t> for QED and SA.</a:t>
-            </a:r>
-          </a:p>
-          <a:p>
-            <a:r>
-              <a:rPr lang="en-US" dirty="0"/>
-              <a:t>Results: High binding affinity, diverse binding poses.</a:t>
-            </a:r>
-          </a:p>
-        </p:txBody>
-      </p:sp>
+          <p:cNvPicPr>
+            <a:picLocks noChangeAspect="1"/>
+          </p:cNvPicPr>
+          <p:nvPr/>
+        </p:nvPicPr>
+        <p:blipFill>
+          <a:blip r:embed="rId2"/>
+          <a:stretch>
+            <a:fillRect/>
+          </a:stretch>
+        </p:blipFill>
+        <p:spPr>
+          <a:xfrm>
+            <a:off x="730921" y="2196971"/>
+            <a:ext cx="5439508" cy="3686413"/>
+          </a:xfrm>
+          <a:prstGeom prst="rect">
+            <a:avLst/>
+          </a:prstGeom>
+        </p:spPr>
+      </p:pic>
+      <p:pic>
+        <p:nvPicPr>
+          <p:cNvPr id="7" name="Picture 6">
+            <a:extLst>
+              <a:ext uri="{FF2B5EF4-FFF2-40B4-BE49-F238E27FC236}">
+                <a16:creationId xmlns:a16="http://schemas.microsoft.com/office/drawing/2014/main" id="{BB6A50F2-25E4-BB2D-9739-A2DCF22BA1DE}"/>
+              </a:ext>
+            </a:extLst>
+          </p:cNvPr>
+          <p:cNvPicPr>
+            <a:picLocks noChangeAspect="1"/>
+          </p:cNvPicPr>
+          <p:nvPr/>
+        </p:nvPicPr>
+        <p:blipFill>
+          <a:blip r:embed="rId3"/>
+          <a:stretch>
+            <a:fillRect/>
+          </a:stretch>
+        </p:blipFill>
+        <p:spPr>
+          <a:xfrm>
+            <a:off x="6315186" y="2093976"/>
+            <a:ext cx="5242405" cy="4033851"/>
+          </a:xfrm>
+          <a:prstGeom prst="rect">
+            <a:avLst/>
+          </a:prstGeom>
+        </p:spPr>
+      </p:pic>
     </p:spTree>
     <p:extLst>
       <p:ext uri="{BB962C8B-B14F-4D97-AF65-F5344CB8AC3E}">
@@ -4377,7 +4422,7 @@
           <a:p>
             <a:r>
               <a:rPr lang="en-US" dirty="0"/>
-              <a:t>Qualitative Results</a:t>
+              <a:t>Results</a:t>
             </a:r>
           </a:p>
         </p:txBody>
@@ -4405,7 +4450,7 @@
           <a:p>
             <a:r>
               <a:rPr lang="en-US" dirty="0"/>
-              <a:t>Visualization of ligand binding: Different poses for various targets.</a:t>
+              <a:t>Visualization of ligand binding: Different poses for various targets</a:t>
             </a:r>
           </a:p>
           <a:p>
@@ -4419,8 +4464,29 @@
             </a:r>
             <a:r>
               <a:rPr lang="en-US" dirty="0"/>
-              <a:t> in generating diverse and valid ligands.</a:t>
-            </a:r>
+              <a:t> in generating diverse and valid ligands</a:t>
+            </a:r>
+          </a:p>
+          <a:p>
+            <a:r>
+              <a:rPr lang="en-US" dirty="0"/>
+              <a:t>Binding affinity distributions: High affinity (low docking scores) for generated ligands</a:t>
+            </a:r>
+          </a:p>
+          <a:p>
+            <a:r>
+              <a:rPr lang="en-US" dirty="0"/>
+              <a:t>Average scores for top-ranked molecules: Binding Affinity, QED, SA</a:t>
+            </a:r>
+          </a:p>
+          <a:p>
+            <a:r>
+              <a:rPr lang="en-US" dirty="0"/>
+              <a:t>Trade-off: High binding affinity vs. other properties like drug-likeness</a:t>
+            </a:r>
+          </a:p>
+          <a:p>
+            <a:endParaRPr lang="en-US" dirty="0"/>
           </a:p>
         </p:txBody>
       </p:sp>
@@ -4459,104 +4525,6 @@
           <p:cNvPr id="2" name="Title 1">
             <a:extLst>
               <a:ext uri="{FF2B5EF4-FFF2-40B4-BE49-F238E27FC236}">
-                <a16:creationId xmlns:a16="http://schemas.microsoft.com/office/drawing/2014/main" id="{DD59D78B-1A7F-25B5-7729-D5A0A6137C8D}"/>
-              </a:ext>
-            </a:extLst>
-          </p:cNvPr>
-          <p:cNvSpPr>
-            <a:spLocks noGrp="1"/>
-          </p:cNvSpPr>
-          <p:nvPr>
-            <p:ph type="title"/>
-          </p:nvPr>
-        </p:nvSpPr>
-        <p:spPr/>
-        <p:txBody>
-          <a:bodyPr/>
-          <a:lstStyle/>
-          <a:p>
-            <a:r>
-              <a:rPr lang="en-US" dirty="0"/>
-              <a:t>Quantitative Results</a:t>
-            </a:r>
-          </a:p>
-        </p:txBody>
-      </p:sp>
-      <p:sp>
-        <p:nvSpPr>
-          <p:cNvPr id="3" name="Content Placeholder 2">
-            <a:extLst>
-              <a:ext uri="{FF2B5EF4-FFF2-40B4-BE49-F238E27FC236}">
-                <a16:creationId xmlns:a16="http://schemas.microsoft.com/office/drawing/2014/main" id="{C507E2F6-74A1-AC30-7D87-8A5BFFE13D1D}"/>
-              </a:ext>
-            </a:extLst>
-          </p:cNvPr>
-          <p:cNvSpPr>
-            <a:spLocks noGrp="1"/>
-          </p:cNvSpPr>
-          <p:nvPr>
-            <p:ph idx="1"/>
-          </p:nvPr>
-        </p:nvSpPr>
-        <p:spPr/>
-        <p:txBody>
-          <a:bodyPr/>
-          <a:lstStyle/>
-          <a:p>
-            <a:r>
-              <a:rPr lang="en-US" dirty="0"/>
-              <a:t>Binding affinity distributions: High affinity (low docking scores) for generated ligands.</a:t>
-            </a:r>
-          </a:p>
-          <a:p>
-            <a:r>
-              <a:rPr lang="en-US" dirty="0"/>
-              <a:t>Average scores for top-ranked molecules: Binding Affinity, QED, SA.</a:t>
-            </a:r>
-          </a:p>
-          <a:p>
-            <a:r>
-              <a:rPr lang="en-US" dirty="0"/>
-              <a:t>Trade-off: High binding affinity vs. other properties like drug-likeness.</a:t>
-            </a:r>
-          </a:p>
-        </p:txBody>
-      </p:sp>
-    </p:spTree>
-    <p:extLst>
-      <p:ext uri="{BB962C8B-B14F-4D97-AF65-F5344CB8AC3E}">
-        <p14:creationId xmlns:p14="http://schemas.microsoft.com/office/powerpoint/2010/main" val="1633608686"/>
-      </p:ext>
-    </p:extLst>
-  </p:cSld>
-  <p:clrMapOvr>
-    <a:masterClrMapping/>
-  </p:clrMapOvr>
-</p:sld>
-</file>
-
-<file path=ppt/slides/slide14.xml><?xml version="1.0" encoding="utf-8"?>
-<p:sld xmlns:a="http://schemas.openxmlformats.org/drawingml/2006/main" xmlns:r="http://schemas.openxmlformats.org/officeDocument/2006/relationships" xmlns:p="http://schemas.openxmlformats.org/presentationml/2006/main">
-  <p:cSld>
-    <p:spTree>
-      <p:nvGrpSpPr>
-        <p:cNvPr id="1" name=""/>
-        <p:cNvGrpSpPr/>
-        <p:nvPr/>
-      </p:nvGrpSpPr>
-      <p:grpSpPr>
-        <a:xfrm>
-          <a:off x="0" y="0"/>
-          <a:ext cx="0" cy="0"/>
-          <a:chOff x="0" y="0"/>
-          <a:chExt cx="0" cy="0"/>
-        </a:xfrm>
-      </p:grpSpPr>
-      <p:sp>
-        <p:nvSpPr>
-          <p:cNvPr id="2" name="Title 1">
-            <a:extLst>
-              <a:ext uri="{FF2B5EF4-FFF2-40B4-BE49-F238E27FC236}">
                 <a16:creationId xmlns:a16="http://schemas.microsoft.com/office/drawing/2014/main" id="{C4B9FB82-0A6B-99B2-70EB-840EF9760F90}"/>
               </a:ext>
             </a:extLst>
@@ -4644,7 +4612,7 @@
 </p:sld>
 </file>
 
-<file path=ppt/slides/slide15.xml><?xml version="1.0" encoding="utf-8"?>
+<file path=ppt/slides/slide14.xml><?xml version="1.0" encoding="utf-8"?>
 <p:sld xmlns:a="http://schemas.openxmlformats.org/drawingml/2006/main" xmlns:r="http://schemas.openxmlformats.org/officeDocument/2006/relationships" xmlns:p="http://schemas.openxmlformats.org/presentationml/2006/main">
   <p:cSld>
     <p:spTree>
@@ -4776,25 +4744,46 @@
           <a:p>
             <a:r>
               <a:rPr lang="en-US" dirty="0"/>
-              <a:t>Drug discovery process stages: Designing compounds, predicting affinities, clinical trials.</a:t>
-            </a:r>
-          </a:p>
-          <a:p>
-            <a:r>
-              <a:rPr lang="en-US" dirty="0"/>
-              <a:t>Costs and time associated with drug discovery.</a:t>
-            </a:r>
-          </a:p>
-          <a:p>
-            <a:r>
-              <a:rPr lang="en-US" dirty="0"/>
-              <a:t>Current reliance on virtual screenings and expert evaluations.</a:t>
-            </a:r>
-          </a:p>
-          <a:p>
-            <a:r>
-              <a:rPr lang="en-US" dirty="0"/>
-              <a:t>Limitations of molecular dynamics simulations: High computational cost, time-consuming.</a:t>
+              <a:t>Drug discovery is a complex and expensive process that takes years of development and costs billions of dollars</a:t>
+            </a:r>
+          </a:p>
+          <a:p>
+            <a:r>
+              <a:rPr lang="en-US" dirty="0"/>
+              <a:t>Drug discovery process stages: Designing compounds, predicting affinities, clinical trials</a:t>
+            </a:r>
+          </a:p>
+          <a:p>
+            <a:pPr lvl="1"/>
+            <a:r>
+              <a:rPr lang="en-US" dirty="0"/>
+              <a:t>Desing novel drug-like compounds with high binding affinities to target proteins</a:t>
+            </a:r>
+          </a:p>
+          <a:p>
+            <a:pPr lvl="1"/>
+            <a:r>
+              <a:rPr lang="en-US" dirty="0"/>
+              <a:t>Searching for candidates</a:t>
+            </a:r>
+          </a:p>
+          <a:p>
+            <a:pPr lvl="1"/>
+            <a:r>
+              <a:rPr lang="en-US" dirty="0"/>
+              <a:t>Measuring drug-target affinities</a:t>
+            </a:r>
+          </a:p>
+          <a:p>
+            <a:r>
+              <a:rPr lang="en-US" dirty="0"/>
+              <a:t>Current reliance on virtual screenings and expert evaluations</a:t>
+            </a:r>
+          </a:p>
+          <a:p>
+            <a:r>
+              <a:rPr lang="en-US" dirty="0"/>
+              <a:t>Limitations of molecular dynamics simulations: High computational cost, time-consuming -&gt; infeasible for large-scale sets of protein-ligand complexes</a:t>
             </a:r>
           </a:p>
         </p:txBody>
@@ -4834,7 +4823,7 @@
           <p:cNvPr id="2" name="Title 1">
             <a:extLst>
               <a:ext uri="{FF2B5EF4-FFF2-40B4-BE49-F238E27FC236}">
-                <a16:creationId xmlns:a16="http://schemas.microsoft.com/office/drawing/2014/main" id="{A4FD0410-0FCA-912D-60FA-301FC8224862}"/>
+                <a16:creationId xmlns:a16="http://schemas.microsoft.com/office/drawing/2014/main" id="{DF54AD0F-1113-A702-A505-0E78D7407332}"/>
               </a:ext>
             </a:extLst>
           </p:cNvPr>
@@ -4852,7 +4841,7 @@
           <a:p>
             <a:r>
               <a:rPr lang="en-US" dirty="0"/>
-              <a:t>Motivation</a:t>
+              <a:t>Paper contribution</a:t>
             </a:r>
           </a:p>
         </p:txBody>
@@ -4862,7 +4851,7 @@
           <p:cNvPr id="3" name="Content Placeholder 2">
             <a:extLst>
               <a:ext uri="{FF2B5EF4-FFF2-40B4-BE49-F238E27FC236}">
-                <a16:creationId xmlns:a16="http://schemas.microsoft.com/office/drawing/2014/main" id="{8D479F6C-F705-6148-10BC-80B67EEF571E}"/>
+                <a16:creationId xmlns:a16="http://schemas.microsoft.com/office/drawing/2014/main" id="{BFB4CD3E-8BB3-4018-F419-A10E1A5976C4}"/>
               </a:ext>
             </a:extLst>
           </p:cNvPr>
@@ -4880,19 +4869,39 @@
           <a:p>
             <a:r>
               <a:rPr lang="en-US" dirty="0"/>
-              <a:t>Need for a model that generalizes across different proteins.</a:t>
-            </a:r>
-          </a:p>
-          <a:p>
-            <a:r>
-              <a:rPr lang="en-US" dirty="0"/>
-              <a:t>Challenge in optimizing networks tailored for each protein.</a:t>
-            </a:r>
-          </a:p>
-          <a:p>
-            <a:r>
-              <a:rPr lang="en-US" dirty="0"/>
-              <a:t>Benefits of a universal approach: Cost reduction, efficiency in drug discovery.</a:t>
+              <a:t>Develop a data-driven approach that can help accelerate the drug discovery process</a:t>
+            </a:r>
+          </a:p>
+          <a:p>
+            <a:r>
+              <a:rPr lang="en-US" dirty="0"/>
+              <a:t>Develop a conditional deep generative model to generate drug-like ligands that can bind to a target protein when its binding sites are unknown</a:t>
+            </a:r>
+          </a:p>
+          <a:p>
+            <a:r>
+              <a:rPr lang="en-US" b="1" dirty="0" err="1"/>
+              <a:t>TargetVAE</a:t>
+            </a:r>
+            <a:r>
+              <a:rPr lang="en-US" dirty="0"/>
+              <a:t>: Generates ligands for arbitrary protein targets</a:t>
+            </a:r>
+          </a:p>
+          <a:p>
+            <a:r>
+              <a:rPr lang="en-US" b="1" dirty="0"/>
+              <a:t>PMN</a:t>
+            </a:r>
+            <a:r>
+              <a:rPr lang="en-US" dirty="0"/>
+              <a:t>: Unifies different protein representations into a single, comprehensive model</a:t>
+            </a:r>
+          </a:p>
+          <a:p>
+            <a:r>
+              <a:rPr lang="en-US" dirty="0"/>
+              <a:t>Advantage: Does not require binding site information, making it more flexible and applicable</a:t>
             </a:r>
           </a:p>
         </p:txBody>
@@ -4900,7 +4909,7 @@
     </p:spTree>
     <p:extLst>
       <p:ext uri="{BB962C8B-B14F-4D97-AF65-F5344CB8AC3E}">
-        <p14:creationId xmlns:p14="http://schemas.microsoft.com/office/powerpoint/2010/main" val="3253965013"/>
+        <p14:creationId xmlns:p14="http://schemas.microsoft.com/office/powerpoint/2010/main" val="727361210"/>
       </p:ext>
     </p:extLst>
   </p:cSld>
@@ -4978,13 +4987,53 @@
           <a:p>
             <a:r>
               <a:rPr lang="en-US" dirty="0"/>
-              <a:t>Protein representation: Importance of capturing both sequence and 3D structure.</a:t>
-            </a:r>
-          </a:p>
-          <a:p>
-            <a:r>
-              <a:rPr lang="en-US" dirty="0"/>
-              <a:t>Variational Auto-Encoders: Framework for generating new data while maintaining desired properties.</a:t>
+              <a:t>Proteins: macromolecules that can be represented in terms of </a:t>
+            </a:r>
+          </a:p>
+          <a:p>
+            <a:pPr lvl="1"/>
+            <a:r>
+              <a:rPr lang="en-US" dirty="0"/>
+              <a:t>Sequences of amino acids</a:t>
+            </a:r>
+          </a:p>
+          <a:p>
+            <a:pPr lvl="1"/>
+            <a:r>
+              <a:rPr lang="en-US" dirty="0"/>
+              <a:t>2D graphs at residue level constructed by nearest neighbors from folding information (i.e. tertiary structure)</a:t>
+            </a:r>
+          </a:p>
+          <a:p>
+            <a:pPr lvl="1"/>
+            <a:r>
+              <a:rPr lang="en-US" dirty="0"/>
+              <a:t>3D point clouds at atom level </a:t>
+            </a:r>
+          </a:p>
+          <a:p>
+            <a:r>
+              <a:rPr lang="en-US" dirty="0"/>
+              <a:t>Protein representation: Importance of capturing both sequence and 3D structure</a:t>
+            </a:r>
+          </a:p>
+          <a:p>
+            <a:r>
+              <a:rPr lang="en-US" dirty="0"/>
+              <a:t>Variational Auto-Encoders: Framework for generating new data while maintaining desired properties</a:t>
+            </a:r>
+          </a:p>
+          <a:p>
+            <a:r>
+              <a:rPr lang="en-US" dirty="0"/>
+              <a:t>Protein-ligan binding prediction</a:t>
+            </a:r>
+          </a:p>
+          <a:p>
+            <a:pPr lvl="1"/>
+            <a:r>
+              <a:rPr lang="en-US" dirty="0"/>
+              <a:t>ML methods, especially GNNs, have emerged as effective techniques for binding affinity prediction</a:t>
             </a:r>
           </a:p>
         </p:txBody>
@@ -5024,7 +5073,7 @@
           <p:cNvPr id="2" name="Title 1">
             <a:extLst>
               <a:ext uri="{FF2B5EF4-FFF2-40B4-BE49-F238E27FC236}">
-                <a16:creationId xmlns:a16="http://schemas.microsoft.com/office/drawing/2014/main" id="{DF54AD0F-1113-A702-A505-0E78D7407332}"/>
+                <a16:creationId xmlns:a16="http://schemas.microsoft.com/office/drawing/2014/main" id="{D334AC35-E9F7-5916-3DCF-338EAAA67455}"/>
               </a:ext>
             </a:extLst>
           </p:cNvPr>
@@ -5041,12 +5090,8 @@
           <a:lstStyle/>
           <a:p>
             <a:r>
-              <a:rPr lang="en-US" dirty="0" err="1"/>
-              <a:t>Targetvae</a:t>
-            </a:r>
-            <a:r>
-              <a:rPr lang="en-US" dirty="0"/>
-              <a:t> model</a:t>
+              <a:rPr lang="en-US" dirty="0"/>
+              <a:t>Protein Multimodal Network (PMN)</a:t>
             </a:r>
           </a:p>
         </p:txBody>
@@ -5056,7 +5101,7 @@
           <p:cNvPr id="3" name="Content Placeholder 2">
             <a:extLst>
               <a:ext uri="{FF2B5EF4-FFF2-40B4-BE49-F238E27FC236}">
-                <a16:creationId xmlns:a16="http://schemas.microsoft.com/office/drawing/2014/main" id="{BFB4CD3E-8BB3-4018-F419-A10E1A5976C4}"/>
+                <a16:creationId xmlns:a16="http://schemas.microsoft.com/office/drawing/2014/main" id="{39D4D9F2-079A-EA94-966F-06BF83F7C3DD}"/>
               </a:ext>
             </a:extLst>
           </p:cNvPr>
@@ -5073,28 +5118,34 @@
           <a:lstStyle/>
           <a:p>
             <a:r>
-              <a:rPr lang="en-US" b="1" dirty="0" err="1"/>
-              <a:t>TargetVAE</a:t>
-            </a:r>
-            <a:r>
-              <a:rPr lang="en-US" dirty="0"/>
-              <a:t>: Generates ligands for arbitrary protein targets.</a:t>
+              <a:rPr lang="en-US" dirty="0"/>
+              <a:t>Protein can be seen as long-range graphs, the authors used sequential and graph transformer to encode both sequences and 3D graphs of residues and combine them to create a unified representation for a large protein</a:t>
             </a:r>
           </a:p>
           <a:p>
             <a:r>
               <a:rPr lang="en-US" b="1" dirty="0"/>
-              <a:t>PMN</a:t>
-            </a:r>
-            <a:r>
-              <a:rPr lang="en-US" dirty="0"/>
-              <a:t>: Unifies different protein representations into a single, comprehensive model.</a:t>
-            </a:r>
-          </a:p>
-          <a:p>
-            <a:r>
-              <a:rPr lang="en-US" dirty="0"/>
-              <a:t>Advantage: Does not require binding site information, making it more flexible and applicable.</a:t>
+              <a:t>Sequence Modeling</a:t>
+            </a:r>
+            <a:r>
+              <a:rPr lang="en-US" dirty="0"/>
+              <a:t>: Uses a transformer-based language model to capture sequence information</a:t>
+            </a:r>
+          </a:p>
+          <a:p>
+            <a:r>
+              <a:rPr lang="en-US" b="1" dirty="0"/>
+              <a:t>Geometric Learning</a:t>
+            </a:r>
+            <a:r>
+              <a:rPr lang="en-US" dirty="0"/>
+              <a:t>: MPNN captures 3D structure and residue interactions</a:t>
+            </a:r>
+          </a:p>
+          <a:p>
+            <a:r>
+              <a:rPr lang="en-US" dirty="0"/>
+              <a:t>Fusion: Integrates both sequence and geometric data for a holistic protein representation</a:t>
             </a:r>
           </a:p>
         </p:txBody>
@@ -5102,7 +5153,7 @@
     </p:spTree>
     <p:extLst>
       <p:ext uri="{BB962C8B-B14F-4D97-AF65-F5344CB8AC3E}">
-        <p14:creationId xmlns:p14="http://schemas.microsoft.com/office/powerpoint/2010/main" val="727361210"/>
+        <p14:creationId xmlns:p14="http://schemas.microsoft.com/office/powerpoint/2010/main" val="1385037845"/>
       </p:ext>
     </p:extLst>
   </p:cSld>
@@ -5134,7 +5185,7 @@
           <p:cNvPr id="2" name="Title 1">
             <a:extLst>
               <a:ext uri="{FF2B5EF4-FFF2-40B4-BE49-F238E27FC236}">
-                <a16:creationId xmlns:a16="http://schemas.microsoft.com/office/drawing/2014/main" id="{D334AC35-E9F7-5916-3DCF-338EAAA67455}"/>
+                <a16:creationId xmlns:a16="http://schemas.microsoft.com/office/drawing/2014/main" id="{537BCE75-A10D-33E9-4F16-BB5A925679FA}"/>
               </a:ext>
             </a:extLst>
           </p:cNvPr>
@@ -5157,58 +5208,39 @@
           </a:p>
         </p:txBody>
       </p:sp>
-      <p:sp>
-        <p:nvSpPr>
-          <p:cNvPr id="3" name="Content Placeholder 2">
+      <p:pic>
+        <p:nvPicPr>
+          <p:cNvPr id="5" name="Content Placeholder 4">
             <a:extLst>
               <a:ext uri="{FF2B5EF4-FFF2-40B4-BE49-F238E27FC236}">
-                <a16:creationId xmlns:a16="http://schemas.microsoft.com/office/drawing/2014/main" id="{39D4D9F2-079A-EA94-966F-06BF83F7C3DD}"/>
+                <a16:creationId xmlns:a16="http://schemas.microsoft.com/office/drawing/2014/main" id="{9E07D7FE-FE4C-FC73-5EC1-3308B8F31CCF}"/>
               </a:ext>
             </a:extLst>
           </p:cNvPr>
-          <p:cNvSpPr>
-            <a:spLocks noGrp="1"/>
-          </p:cNvSpPr>
+          <p:cNvPicPr>
+            <a:picLocks noGrp="1" noChangeAspect="1"/>
+          </p:cNvPicPr>
           <p:nvPr>
             <p:ph idx="1"/>
           </p:nvPr>
-        </p:nvSpPr>
-        <p:spPr/>
-        <p:txBody>
-          <a:bodyPr/>
-          <a:lstStyle/>
-          <a:p>
-            <a:r>
-              <a:rPr lang="en-US" b="1" dirty="0"/>
-              <a:t>Sequence Modeling</a:t>
-            </a:r>
-            <a:r>
-              <a:rPr lang="en-US" dirty="0"/>
-              <a:t>: Uses a transformer-based language model to capture sequence information.</a:t>
-            </a:r>
-          </a:p>
-          <a:p>
-            <a:r>
-              <a:rPr lang="en-US" b="1" dirty="0"/>
-              <a:t>Geometric Learning</a:t>
-            </a:r>
-            <a:r>
-              <a:rPr lang="en-US" dirty="0"/>
-              <a:t>: MPNN captures 3D structure and residue interactions.</a:t>
-            </a:r>
-          </a:p>
-          <a:p>
-            <a:r>
-              <a:rPr lang="en-US" dirty="0"/>
-              <a:t>Fusion: Integrates both sequence and geometric data for a holistic protein representation.</a:t>
-            </a:r>
-          </a:p>
-        </p:txBody>
-      </p:sp>
+        </p:nvPicPr>
+        <p:blipFill>
+          <a:blip r:embed="rId2"/>
+          <a:stretch>
+            <a:fillRect/>
+          </a:stretch>
+        </p:blipFill>
+        <p:spPr>
+          <a:xfrm>
+            <a:off x="2041374" y="2322068"/>
+            <a:ext cx="8109252" cy="4051300"/>
+          </a:xfrm>
+        </p:spPr>
+      </p:pic>
     </p:spTree>
     <p:extLst>
       <p:ext uri="{BB962C8B-B14F-4D97-AF65-F5344CB8AC3E}">
-        <p14:creationId xmlns:p14="http://schemas.microsoft.com/office/powerpoint/2010/main" val="1385037845"/>
+        <p14:creationId xmlns:p14="http://schemas.microsoft.com/office/powerpoint/2010/main" val="1644014943"/>
       </p:ext>
     </p:extLst>
   </p:cSld>
@@ -5286,7 +5318,13 @@
           <a:p>
             <a:r>
               <a:rPr lang="en-US" dirty="0"/>
-              <a:t>Local Encoder: Extracts rotationally invariant and equivariant features.</a:t>
+              <a:t>Local Encoder: Extracts rotationally invariant and equivariant features</a:t>
+            </a:r>
+          </a:p>
+          <a:p>
+            <a:r>
+              <a:rPr lang="en-US" dirty="0"/>
+              <a:t>Geometric vector perceptron (GVP)</a:t>
             </a:r>
           </a:p>
           <a:p>
@@ -5407,6 +5445,27 @@
               <a:t>Methodology: Combines PMN for proteins and GAT for ligands.</a:t>
             </a:r>
           </a:p>
+          <a:p>
+            <a:r>
+              <a:rPr lang="en-US" dirty="0"/>
+              <a:t>Training details: GVP for local features, GAT for ligand encoding, ESM-2 for sequences.</a:t>
+            </a:r>
+          </a:p>
+          <a:p>
+            <a:r>
+              <a:rPr lang="en-US" dirty="0"/>
+              <a:t>Evaluation metrics: RMSE, MAE, Pearson, Spearman, r2m scores.</a:t>
+            </a:r>
+          </a:p>
+          <a:p>
+            <a:r>
+              <a:rPr lang="en-US" dirty="0"/>
+              <a:t>Results: Superior performance of PMN, importance of multi-modal protein learning.</a:t>
+            </a:r>
+          </a:p>
+          <a:p>
+            <a:endParaRPr lang="en-US" dirty="0"/>
+          </a:p>
         </p:txBody>
       </p:sp>
     </p:spTree>
@@ -5455,58 +5514,84 @@
             <p:ph type="title"/>
           </p:nvPr>
         </p:nvSpPr>
-        <p:spPr/>
-        <p:txBody>
-          <a:bodyPr/>
-          <a:lstStyle/>
-          <a:p>
-            <a:r>
-              <a:rPr lang="en-US" dirty="0"/>
-              <a:t>Experimental Setup and Results (Binding Affinity Prediction)</a:t>
-            </a:r>
-          </a:p>
-        </p:txBody>
-      </p:sp>
-      <p:sp>
-        <p:nvSpPr>
-          <p:cNvPr id="3" name="Content Placeholder 2">
+        <p:spPr>
+          <a:xfrm>
+            <a:off x="867829" y="420836"/>
+            <a:ext cx="10657864" cy="1609344"/>
+          </a:xfrm>
+        </p:spPr>
+        <p:txBody>
+          <a:bodyPr/>
+          <a:lstStyle/>
+          <a:p>
+            <a:r>
+              <a:rPr lang="en-US"/>
+              <a:t>Experiment: Binding Affinity Prediction</a:t>
+            </a:r>
+            <a:endParaRPr lang="en-US" dirty="0"/>
+          </a:p>
+        </p:txBody>
+      </p:sp>
+      <p:pic>
+        <p:nvPicPr>
+          <p:cNvPr id="5" name="Picture 4">
             <a:extLst>
               <a:ext uri="{FF2B5EF4-FFF2-40B4-BE49-F238E27FC236}">
-                <a16:creationId xmlns:a16="http://schemas.microsoft.com/office/drawing/2014/main" id="{37D32B74-C07B-1637-6E9D-1151105DB888}"/>
+                <a16:creationId xmlns:a16="http://schemas.microsoft.com/office/drawing/2014/main" id="{2093D608-78B5-B7C3-E7F9-D9E9F23BE44D}"/>
               </a:ext>
             </a:extLst>
           </p:cNvPr>
-          <p:cNvSpPr>
-            <a:spLocks noGrp="1"/>
-          </p:cNvSpPr>
-          <p:nvPr>
-            <p:ph idx="1"/>
-          </p:nvPr>
-        </p:nvSpPr>
-        <p:spPr/>
-        <p:txBody>
-          <a:bodyPr/>
-          <a:lstStyle/>
-          <a:p>
-            <a:r>
-              <a:rPr lang="en-US" dirty="0"/>
-              <a:t>Training details: GVP for local features, GAT for ligand encoding, ESM-2 for sequences.</a:t>
-            </a:r>
-          </a:p>
-          <a:p>
-            <a:r>
-              <a:rPr lang="en-US" dirty="0"/>
-              <a:t>Evaluation metrics: RMSE, MAE, Pearson, Spearman, r2m scores.</a:t>
-            </a:r>
-          </a:p>
-          <a:p>
-            <a:r>
-              <a:rPr lang="en-US" dirty="0"/>
-              <a:t>Results: Superior performance of PMN, importance of multi-modal protein learning.</a:t>
-            </a:r>
-          </a:p>
-        </p:txBody>
-      </p:sp>
+          <p:cNvPicPr>
+            <a:picLocks noChangeAspect="1"/>
+          </p:cNvPicPr>
+          <p:nvPr/>
+        </p:nvPicPr>
+        <p:blipFill>
+          <a:blip r:embed="rId2"/>
+          <a:stretch>
+            <a:fillRect/>
+          </a:stretch>
+        </p:blipFill>
+        <p:spPr>
+          <a:xfrm>
+            <a:off x="733095" y="2374003"/>
+            <a:ext cx="5169474" cy="3728313"/>
+          </a:xfrm>
+          <a:prstGeom prst="rect">
+            <a:avLst/>
+          </a:prstGeom>
+        </p:spPr>
+      </p:pic>
+      <p:pic>
+        <p:nvPicPr>
+          <p:cNvPr id="7" name="Picture 6">
+            <a:extLst>
+              <a:ext uri="{FF2B5EF4-FFF2-40B4-BE49-F238E27FC236}">
+                <a16:creationId xmlns:a16="http://schemas.microsoft.com/office/drawing/2014/main" id="{144AEFD3-7274-EF39-389E-39AC3BB8CB1C}"/>
+              </a:ext>
+            </a:extLst>
+          </p:cNvPr>
+          <p:cNvPicPr>
+            <a:picLocks noChangeAspect="1"/>
+          </p:cNvPicPr>
+          <p:nvPr/>
+        </p:nvPicPr>
+        <p:blipFill>
+          <a:blip r:embed="rId3"/>
+          <a:stretch>
+            <a:fillRect/>
+          </a:stretch>
+        </p:blipFill>
+        <p:spPr>
+          <a:xfrm>
+            <a:off x="6096000" y="2700687"/>
+            <a:ext cx="5772593" cy="3074944"/>
+          </a:xfrm>
+          <a:prstGeom prst="rect">
+            <a:avLst/>
+          </a:prstGeom>
+        </p:spPr>
+      </p:pic>
     </p:spTree>
     <p:extLst>
       <p:ext uri="{BB962C8B-B14F-4D97-AF65-F5344CB8AC3E}">

--- a/Task 1/#4 presentation.pptx
+++ b/Task 1/#4 presentation.pptx
@@ -528,7 +528,7 @@
           <a:p>
             <a:fld id="{B2DB18C6-B8A5-45D5-AC97-1FF08DA7F162}" type="datetimeFigureOut">
               <a:rPr lang="en-US" smtClean="0"/>
-              <a:t>5/29/2024</a:t>
+              <a:t>5/30/2024</a:t>
             </a:fld>
             <a:endParaRPr lang="en-US"/>
           </a:p>
@@ -707,7 +707,7 @@
           <a:p>
             <a:fld id="{B2DB18C6-B8A5-45D5-AC97-1FF08DA7F162}" type="datetimeFigureOut">
               <a:rPr lang="en-US" smtClean="0"/>
-              <a:t>5/29/2024</a:t>
+              <a:t>5/30/2024</a:t>
             </a:fld>
             <a:endParaRPr lang="en-US"/>
           </a:p>
@@ -887,7 +887,7 @@
           <a:p>
             <a:fld id="{B2DB18C6-B8A5-45D5-AC97-1FF08DA7F162}" type="datetimeFigureOut">
               <a:rPr lang="en-US" smtClean="0"/>
-              <a:t>5/29/2024</a:t>
+              <a:t>5/30/2024</a:t>
             </a:fld>
             <a:endParaRPr lang="en-US"/>
           </a:p>
@@ -1057,7 +1057,7 @@
           <a:p>
             <a:fld id="{B2DB18C6-B8A5-45D5-AC97-1FF08DA7F162}" type="datetimeFigureOut">
               <a:rPr lang="en-US" smtClean="0"/>
-              <a:t>5/29/2024</a:t>
+              <a:t>5/30/2024</a:t>
             </a:fld>
             <a:endParaRPr lang="en-US"/>
           </a:p>
@@ -1370,7 +1370,7 @@
           <a:p>
             <a:fld id="{B2DB18C6-B8A5-45D5-AC97-1FF08DA7F162}" type="datetimeFigureOut">
               <a:rPr lang="en-US" smtClean="0"/>
-              <a:t>5/29/2024</a:t>
+              <a:t>5/30/2024</a:t>
             </a:fld>
             <a:endParaRPr lang="en-US"/>
           </a:p>
@@ -1756,7 +1756,7 @@
           <a:p>
             <a:fld id="{B2DB18C6-B8A5-45D5-AC97-1FF08DA7F162}" type="datetimeFigureOut">
               <a:rPr lang="en-US" smtClean="0"/>
-              <a:t>5/29/2024</a:t>
+              <a:t>5/30/2024</a:t>
             </a:fld>
             <a:endParaRPr lang="en-US"/>
           </a:p>
@@ -2190,7 +2190,7 @@
           <a:p>
             <a:fld id="{B2DB18C6-B8A5-45D5-AC97-1FF08DA7F162}" type="datetimeFigureOut">
               <a:rPr lang="en-US" smtClean="0"/>
-              <a:t>5/29/2024</a:t>
+              <a:t>5/30/2024</a:t>
             </a:fld>
             <a:endParaRPr lang="en-US"/>
           </a:p>
@@ -2308,7 +2308,7 @@
           <a:p>
             <a:fld id="{B2DB18C6-B8A5-45D5-AC97-1FF08DA7F162}" type="datetimeFigureOut">
               <a:rPr lang="en-US" smtClean="0"/>
-              <a:t>5/29/2024</a:t>
+              <a:t>5/30/2024</a:t>
             </a:fld>
             <a:endParaRPr lang="en-US"/>
           </a:p>
@@ -2403,7 +2403,7 @@
           <a:p>
             <a:fld id="{B2DB18C6-B8A5-45D5-AC97-1FF08DA7F162}" type="datetimeFigureOut">
               <a:rPr lang="en-US" smtClean="0"/>
-              <a:t>5/29/2024</a:t>
+              <a:t>5/30/2024</a:t>
             </a:fld>
             <a:endParaRPr lang="en-US"/>
           </a:p>
@@ -2753,7 +2753,7 @@
           <a:p>
             <a:fld id="{B2DB18C6-B8A5-45D5-AC97-1FF08DA7F162}" type="datetimeFigureOut">
               <a:rPr lang="en-US" smtClean="0"/>
-              <a:t>5/29/2024</a:t>
+              <a:t>5/30/2024</a:t>
             </a:fld>
             <a:endParaRPr lang="en-US"/>
           </a:p>
@@ -3178,7 +3178,7 @@
           <a:p>
             <a:fld id="{B2DB18C6-B8A5-45D5-AC97-1FF08DA7F162}" type="datetimeFigureOut">
               <a:rPr lang="en-US" smtClean="0"/>
-              <a:t>5/29/2024</a:t>
+              <a:t>5/30/2024</a:t>
             </a:fld>
             <a:endParaRPr lang="en-US"/>
           </a:p>
@@ -3459,7 +3459,7 @@
           <a:p>
             <a:fld id="{B2DB18C6-B8A5-45D5-AC97-1FF08DA7F162}" type="datetimeFigureOut">
               <a:rPr lang="en-US" smtClean="0"/>
-              <a:t>5/29/2024</a:t>
+              <a:t>5/30/2024</a:t>
             </a:fld>
             <a:endParaRPr lang="en-US"/>
           </a:p>
@@ -4193,7 +4193,7 @@
           <a:p>
             <a:r>
               <a:rPr lang="en-US" dirty="0"/>
-              <a:t>Task: Generate ligands without known binding sites.</a:t>
+              <a:t>Task: Generate ligands without known binding sites</a:t>
             </a:r>
           </a:p>
           <a:p>
@@ -4203,13 +4203,13 @@
             </a:r>
             <a:r>
               <a:rPr lang="en-US" dirty="0"/>
-              <a:t>: Conditions on entire protein structure, generating multiple ligand candidates.</a:t>
-            </a:r>
-          </a:p>
-          <a:p>
-            <a:r>
-              <a:rPr lang="en-US" dirty="0"/>
-              <a:t>Benefits: Flexibility, efficiency in generating high-affinity ligands.</a:t>
+              <a:t>: Conditions on entire protein structure, generating multiple ligand candidates</a:t>
+            </a:r>
+          </a:p>
+          <a:p>
+            <a:r>
+              <a:rPr lang="en-US" dirty="0"/>
+              <a:t>Benefits: Flexibility, efficiency in generating high-affinity ligands</a:t>
             </a:r>
           </a:p>
           <a:p>
@@ -4579,20 +4579,25 @@
             </a:r>
             <a:r>
               <a:rPr lang="en-US" dirty="0"/>
-              <a:t> for efficient ligand generation.</a:t>
-            </a:r>
-          </a:p>
-          <a:p>
-            <a:r>
-              <a:rPr lang="en-US" dirty="0"/>
-              <a:t>Advantages: Reduces need for specific networks, flexible, applicable in various drug discovery stages.</a:t>
-            </a:r>
-          </a:p>
-          <a:p>
-            <a:r>
-              <a:rPr lang="en-US" dirty="0"/>
-              <a:t>Future directions: Further validation through in vitro and in vivo experiments.</a:t>
-            </a:r>
+              <a:t> for efficient ligand generation</a:t>
+            </a:r>
+          </a:p>
+          <a:p>
+            <a:r>
+              <a:rPr lang="en-US" dirty="0"/>
+              <a:t>Advantages: Reduces need for specific networks, flexible, applicable in various drug discovery stages</a:t>
+            </a:r>
+          </a:p>
+          <a:p>
+            <a:r>
+              <a:rPr lang="en-US" dirty="0"/>
+              <a:t>Future directions: Further validation through in vitro and in </a:t>
+            </a:r>
+            <a:r>
+              <a:rPr lang="en-US"/>
+              <a:t>vivo experiments</a:t>
+            </a:r>
+            <a:endParaRPr lang="en-US" dirty="0"/>
           </a:p>
           <a:p>
             <a:endParaRPr lang="en-US" dirty="0"/>
@@ -4757,7 +4762,7 @@
             <a:pPr lvl="1"/>
             <a:r>
               <a:rPr lang="en-US" dirty="0"/>
-              <a:t>Desing novel drug-like compounds with high binding affinities to target proteins</a:t>
+              <a:t>Designing novel drug-like compounds with high binding affinities to target proteins</a:t>
             </a:r>
           </a:p>
           <a:p>
@@ -5232,8 +5237,8 @@
         </p:blipFill>
         <p:spPr>
           <a:xfrm>
-            <a:off x="2041374" y="2322068"/>
-            <a:ext cx="8109252" cy="4051300"/>
+            <a:off x="1584815" y="2093976"/>
+            <a:ext cx="8565811" cy="4279392"/>
           </a:xfrm>
         </p:spPr>
       </p:pic>
@@ -5330,13 +5335,13 @@
           <a:p>
             <a:r>
               <a:rPr lang="en-US" dirty="0"/>
-              <a:t>Global Transformer Encoder: Captures interactions among distant residues.</a:t>
-            </a:r>
-          </a:p>
-          <a:p>
-            <a:r>
-              <a:rPr lang="en-US" dirty="0"/>
-              <a:t>Multi-modal Fusion: Produces a unified protein embedding.</a:t>
+              <a:t>Global Transformer Encoder: Captures interactions among distant residues</a:t>
+            </a:r>
+          </a:p>
+          <a:p>
+            <a:r>
+              <a:rPr lang="en-US" dirty="0"/>
+              <a:t>Multi-modal Fusion: Produces a unified protein embedding</a:t>
             </a:r>
           </a:p>
         </p:txBody>
@@ -5422,7 +5427,7 @@
           <a:p>
             <a:r>
               <a:rPr lang="en-US" dirty="0"/>
-              <a:t>Objective: Predict ligand binding strength to proteins.</a:t>
+              <a:t>Objective: Predict ligand binding strength to proteins</a:t>
             </a:r>
           </a:p>
           <a:p>
@@ -5436,31 +5441,31 @@
             </a:r>
             <a:r>
               <a:rPr lang="en-US" dirty="0"/>
-              <a:t> v2020, split into training and testing sets.</a:t>
-            </a:r>
-          </a:p>
-          <a:p>
-            <a:r>
-              <a:rPr lang="en-US" dirty="0"/>
-              <a:t>Methodology: Combines PMN for proteins and GAT for ligands.</a:t>
-            </a:r>
-          </a:p>
-          <a:p>
-            <a:r>
-              <a:rPr lang="en-US" dirty="0"/>
-              <a:t>Training details: GVP for local features, GAT for ligand encoding, ESM-2 for sequences.</a:t>
-            </a:r>
-          </a:p>
-          <a:p>
-            <a:r>
-              <a:rPr lang="en-US" dirty="0"/>
-              <a:t>Evaluation metrics: RMSE, MAE, Pearson, Spearman, r2m scores.</a:t>
-            </a:r>
-          </a:p>
-          <a:p>
-            <a:r>
-              <a:rPr lang="en-US" dirty="0"/>
-              <a:t>Results: Superior performance of PMN, importance of multi-modal protein learning.</a:t>
+              <a:t> v2020, split into training and testing sets</a:t>
+            </a:r>
+          </a:p>
+          <a:p>
+            <a:r>
+              <a:rPr lang="en-US" dirty="0"/>
+              <a:t>Methodology: Combines PMN for proteins and GAT for ligands</a:t>
+            </a:r>
+          </a:p>
+          <a:p>
+            <a:r>
+              <a:rPr lang="en-US" dirty="0"/>
+              <a:t>Training details: GVP for local features, GAT for ligand encoding, ESM-2 for sequences</a:t>
+            </a:r>
+          </a:p>
+          <a:p>
+            <a:r>
+              <a:rPr lang="en-US" dirty="0"/>
+              <a:t>Evaluation metrics: RMSE, MAE, Pearson, Spearman, r2m scores</a:t>
+            </a:r>
+          </a:p>
+          <a:p>
+            <a:r>
+              <a:rPr lang="en-US" dirty="0"/>
+              <a:t>Results: Superior performance of PMN, importance of multi-modal protein learning</a:t>
             </a:r>
           </a:p>
           <a:p>
